--- a/sudoku.pptx
+++ b/sudoku.pptx
@@ -211,7 +211,7 @@
             <a:fld id="{8DC47B3A-5EEA-46B4-A155-7EE1A231AC1C}" type="datetimeFigureOut">
               <a:rPr lang="ar-EG" smtClean="0"/>
               <a:pPr/>
-              <a:t>18/01/1436</a:t>
+              <a:t>24/01/1436</a:t>
             </a:fld>
             <a:endParaRPr lang="ar-EG"/>
           </a:p>
@@ -973,7 +973,7 @@
             <a:fld id="{04EDCECD-6E25-4E83-B4B3-489CD68B779E}" type="datetime1">
               <a:rPr lang="en-US" smtClean="0"/>
               <a:pPr/>
-              <a:t>11/10/2014</a:t>
+              <a:t>11/16/2014</a:t>
             </a:fld>
             <a:endParaRPr lang="en-US"/>
           </a:p>
@@ -1144,7 +1144,7 @@
             <a:fld id="{01AE2BB9-E6F0-4468-BBE8-E2CCD3F9B0AF}" type="datetime1">
               <a:rPr lang="en-US" smtClean="0"/>
               <a:pPr/>
-              <a:t>11/10/2014</a:t>
+              <a:t>11/16/2014</a:t>
             </a:fld>
             <a:endParaRPr lang="en-US"/>
           </a:p>
@@ -1325,7 +1325,7 @@
             <a:fld id="{D5C25A22-46FE-440C-B270-25E6543E7AC2}" type="datetime1">
               <a:rPr lang="en-US" smtClean="0"/>
               <a:pPr/>
-              <a:t>11/10/2014</a:t>
+              <a:t>11/16/2014</a:t>
             </a:fld>
             <a:endParaRPr lang="en-US"/>
           </a:p>
@@ -1496,7 +1496,7 @@
             <a:fld id="{F14EAE9E-D82E-44EF-B0E1-158844A8E444}" type="datetime1">
               <a:rPr lang="en-US" smtClean="0"/>
               <a:pPr/>
-              <a:t>11/10/2014</a:t>
+              <a:t>11/16/2014</a:t>
             </a:fld>
             <a:endParaRPr lang="en-US"/>
           </a:p>
@@ -1755,7 +1755,7 @@
             <a:fld id="{502830BE-3EF5-4E8F-8963-627C6F190161}" type="datetime1">
               <a:rPr lang="en-US" smtClean="0"/>
               <a:pPr/>
-              <a:t>11/10/2014</a:t>
+              <a:t>11/16/2014</a:t>
             </a:fld>
             <a:endParaRPr lang="en-US"/>
           </a:p>
@@ -2044,7 +2044,7 @@
             <a:fld id="{82899EF9-1411-48A2-84BB-299721745662}" type="datetime1">
               <a:rPr lang="en-US" smtClean="0"/>
               <a:pPr/>
-              <a:t>11/10/2014</a:t>
+              <a:t>11/16/2014</a:t>
             </a:fld>
             <a:endParaRPr lang="en-US"/>
           </a:p>
@@ -2467,7 +2467,7 @@
             <a:fld id="{DFD35096-3B45-4ACB-A1E9-CE503027E0BE}" type="datetime1">
               <a:rPr lang="en-US" smtClean="0"/>
               <a:pPr/>
-              <a:t>11/10/2014</a:t>
+              <a:t>11/16/2014</a:t>
             </a:fld>
             <a:endParaRPr lang="en-US"/>
           </a:p>
@@ -2586,7 +2586,7 @@
             <a:fld id="{59EE99CF-D707-4A84-ADFD-29B0FCD5FB1F}" type="datetime1">
               <a:rPr lang="en-US" smtClean="0"/>
               <a:pPr/>
-              <a:t>11/10/2014</a:t>
+              <a:t>11/16/2014</a:t>
             </a:fld>
             <a:endParaRPr lang="en-US"/>
           </a:p>
@@ -2682,7 +2682,7 @@
             <a:fld id="{86282A6C-6BAF-4560-B5E3-9ED50F31DE2E}" type="datetime1">
               <a:rPr lang="en-US" smtClean="0"/>
               <a:pPr/>
-              <a:t>11/10/2014</a:t>
+              <a:t>11/16/2014</a:t>
             </a:fld>
             <a:endParaRPr lang="en-US"/>
           </a:p>
@@ -2960,7 +2960,7 @@
             <a:fld id="{0B869C43-2CAB-445A-97FD-F327071157F7}" type="datetime1">
               <a:rPr lang="en-US" smtClean="0"/>
               <a:pPr/>
-              <a:t>11/10/2014</a:t>
+              <a:t>11/16/2014</a:t>
             </a:fld>
             <a:endParaRPr lang="en-US"/>
           </a:p>
@@ -3214,7 +3214,7 @@
             <a:fld id="{D18F6CA1-1908-4F8E-8036-2839EFD9342B}" type="datetime1">
               <a:rPr lang="en-US" smtClean="0"/>
               <a:pPr/>
-              <a:t>11/10/2014</a:t>
+              <a:t>11/16/2014</a:t>
             </a:fld>
             <a:endParaRPr lang="en-US"/>
           </a:p>
@@ -3428,7 +3428,7 @@
             <a:fld id="{5320A4E6-8C9A-46E7-B737-26646EB268C2}" type="datetime1">
               <a:rPr lang="en-US" smtClean="0"/>
               <a:pPr/>
-              <a:t>11/10/2014</a:t>
+              <a:t>11/16/2014</a:t>
             </a:fld>
             <a:endParaRPr lang="en-US"/>
           </a:p>
@@ -5796,7 +5796,7 @@
             </a:pPr>
             <a:r>
               <a:rPr lang="en-US" sz="2000" dirty="0" smtClean="0"/>
-              <a:t>        if not </a:t>
+              <a:t>        if </a:t>
             </a:r>
             <a:r>
               <a:rPr lang="en-US" sz="2000" dirty="0" err="1" smtClean="0"/>
@@ -5804,8 +5804,17 @@
             </a:r>
             <a:r>
               <a:rPr lang="en-US" sz="2000" dirty="0" smtClean="0"/>
-              <a:t>[r][c]!='.':</a:t>
-            </a:r>
+              <a:t>[r</a:t>
+            </a:r>
+            <a:r>
+              <a:rPr lang="en-US" sz="2000" dirty="0" smtClean="0"/>
+              <a:t>][c</a:t>
+            </a:r>
+            <a:r>
+              <a:rPr lang="en-US" sz="2000" dirty="0" smtClean="0"/>
+              <a:t>]=='.':</a:t>
+            </a:r>
+            <a:endParaRPr lang="en-US" sz="2000" dirty="0" smtClean="0"/>
           </a:p>
           <a:p>
             <a:pPr>
@@ -6040,7 +6049,7 @@
       </p:sp>
       <p:pic>
         <p:nvPicPr>
-          <p:cNvPr id="1026" name="Picture 2"/>
+          <p:cNvPr id="3" name="Content Placeholder 2"/>
           <p:cNvPicPr>
             <a:picLocks noGrp="1" noChangeAspect="1" noChangeArrowheads="1"/>
           </p:cNvPicPr>
@@ -6057,8 +6066,8 @@
         </p:blipFill>
         <p:spPr bwMode="auto">
           <a:xfrm>
-            <a:off x="592123" y="1371600"/>
-            <a:ext cx="7959753" cy="4525963"/>
+            <a:off x="457200" y="1524000"/>
+            <a:ext cx="8229600" cy="4425431"/>
           </a:xfrm>
           <a:prstGeom prst="rect">
             <a:avLst/>
@@ -6196,11 +6205,7 @@
           <a:p>
             <a:r>
               <a:rPr lang="en-US" dirty="0" smtClean="0"/>
-              <a:t>E-mail</a:t>
-            </a:r>
-            <a:r>
-              <a:rPr lang="en-US" dirty="0" smtClean="0"/>
-              <a:t>: </a:t>
+              <a:t>E-mail: </a:t>
             </a:r>
             <a:r>
               <a:rPr lang="en-US" sz="2800" dirty="0" smtClean="0">

--- a/sudoku.pptx
+++ b/sudoku.pptx
@@ -5,7 +5,7 @@
     <p:sldMasterId id="2147483648" r:id="rId1"/>
   </p:sldMasterIdLst>
   <p:notesMasterIdLst>
-    <p:notesMasterId r:id="rId21"/>
+    <p:notesMasterId r:id="rId20"/>
   </p:notesMasterIdLst>
   <p:sldIdLst>
     <p:sldId id="282" r:id="rId2"/>
@@ -23,10 +23,9 @@
     <p:sldId id="293" r:id="rId14"/>
     <p:sldId id="294" r:id="rId15"/>
     <p:sldId id="295" r:id="rId16"/>
-    <p:sldId id="296" r:id="rId17"/>
-    <p:sldId id="297" r:id="rId18"/>
-    <p:sldId id="299" r:id="rId19"/>
-    <p:sldId id="305" r:id="rId20"/>
+    <p:sldId id="297" r:id="rId17"/>
+    <p:sldId id="299" r:id="rId18"/>
+    <p:sldId id="305" r:id="rId19"/>
   </p:sldIdLst>
   <p:sldSz cx="9144000" cy="6858000" type="screen4x3"/>
   <p:notesSz cx="6858000" cy="9144000"/>
@@ -211,7 +210,7 @@
             <a:fld id="{8DC47B3A-5EEA-46B4-A155-7EE1A231AC1C}" type="datetimeFigureOut">
               <a:rPr lang="ar-EG" smtClean="0"/>
               <a:pPr/>
-              <a:t>24/01/1436</a:t>
+              <a:t>08/02/1436</a:t>
             </a:fld>
             <a:endParaRPr lang="ar-EG"/>
           </a:p>
@@ -973,7 +972,7 @@
             <a:fld id="{04EDCECD-6E25-4E83-B4B3-489CD68B779E}" type="datetime1">
               <a:rPr lang="en-US" smtClean="0"/>
               <a:pPr/>
-              <a:t>11/16/2014</a:t>
+              <a:t>11/30/2014</a:t>
             </a:fld>
             <a:endParaRPr lang="en-US"/>
           </a:p>
@@ -1144,7 +1143,7 @@
             <a:fld id="{01AE2BB9-E6F0-4468-BBE8-E2CCD3F9B0AF}" type="datetime1">
               <a:rPr lang="en-US" smtClean="0"/>
               <a:pPr/>
-              <a:t>11/16/2014</a:t>
+              <a:t>11/30/2014</a:t>
             </a:fld>
             <a:endParaRPr lang="en-US"/>
           </a:p>
@@ -1325,7 +1324,7 @@
             <a:fld id="{D5C25A22-46FE-440C-B270-25E6543E7AC2}" type="datetime1">
               <a:rPr lang="en-US" smtClean="0"/>
               <a:pPr/>
-              <a:t>11/16/2014</a:t>
+              <a:t>11/30/2014</a:t>
             </a:fld>
             <a:endParaRPr lang="en-US"/>
           </a:p>
@@ -1496,7 +1495,7 @@
             <a:fld id="{F14EAE9E-D82E-44EF-B0E1-158844A8E444}" type="datetime1">
               <a:rPr lang="en-US" smtClean="0"/>
               <a:pPr/>
-              <a:t>11/16/2014</a:t>
+              <a:t>11/30/2014</a:t>
             </a:fld>
             <a:endParaRPr lang="en-US"/>
           </a:p>
@@ -1755,7 +1754,7 @@
             <a:fld id="{502830BE-3EF5-4E8F-8963-627C6F190161}" type="datetime1">
               <a:rPr lang="en-US" smtClean="0"/>
               <a:pPr/>
-              <a:t>11/16/2014</a:t>
+              <a:t>11/30/2014</a:t>
             </a:fld>
             <a:endParaRPr lang="en-US"/>
           </a:p>
@@ -2044,7 +2043,7 @@
             <a:fld id="{82899EF9-1411-48A2-84BB-299721745662}" type="datetime1">
               <a:rPr lang="en-US" smtClean="0"/>
               <a:pPr/>
-              <a:t>11/16/2014</a:t>
+              <a:t>11/30/2014</a:t>
             </a:fld>
             <a:endParaRPr lang="en-US"/>
           </a:p>
@@ -2467,7 +2466,7 @@
             <a:fld id="{DFD35096-3B45-4ACB-A1E9-CE503027E0BE}" type="datetime1">
               <a:rPr lang="en-US" smtClean="0"/>
               <a:pPr/>
-              <a:t>11/16/2014</a:t>
+              <a:t>11/30/2014</a:t>
             </a:fld>
             <a:endParaRPr lang="en-US"/>
           </a:p>
@@ -2586,7 +2585,7 @@
             <a:fld id="{59EE99CF-D707-4A84-ADFD-29B0FCD5FB1F}" type="datetime1">
               <a:rPr lang="en-US" smtClean="0"/>
               <a:pPr/>
-              <a:t>11/16/2014</a:t>
+              <a:t>11/30/2014</a:t>
             </a:fld>
             <a:endParaRPr lang="en-US"/>
           </a:p>
@@ -2682,7 +2681,7 @@
             <a:fld id="{86282A6C-6BAF-4560-B5E3-9ED50F31DE2E}" type="datetime1">
               <a:rPr lang="en-US" smtClean="0"/>
               <a:pPr/>
-              <a:t>11/16/2014</a:t>
+              <a:t>11/30/2014</a:t>
             </a:fld>
             <a:endParaRPr lang="en-US"/>
           </a:p>
@@ -2960,7 +2959,7 @@
             <a:fld id="{0B869C43-2CAB-445A-97FD-F327071157F7}" type="datetime1">
               <a:rPr lang="en-US" smtClean="0"/>
               <a:pPr/>
-              <a:t>11/16/2014</a:t>
+              <a:t>11/30/2014</a:t>
             </a:fld>
             <a:endParaRPr lang="en-US"/>
           </a:p>
@@ -3214,7 +3213,7 @@
             <a:fld id="{D18F6CA1-1908-4F8E-8036-2839EFD9342B}" type="datetime1">
               <a:rPr lang="en-US" smtClean="0"/>
               <a:pPr/>
-              <a:t>11/16/2014</a:t>
+              <a:t>11/30/2014</a:t>
             </a:fld>
             <a:endParaRPr lang="en-US"/>
           </a:p>
@@ -3428,7 +3427,7 @@
             <a:fld id="{5320A4E6-8C9A-46E7-B737-26646EB268C2}" type="datetime1">
               <a:rPr lang="en-US" smtClean="0"/>
               <a:pPr/>
-              <a:t>11/16/2014</a:t>
+              <a:t>11/30/2014</a:t>
             </a:fld>
             <a:endParaRPr lang="en-US"/>
           </a:p>
@@ -3960,7 +3959,7 @@
         </p:spPr>
         <p:txBody>
           <a:bodyPr>
-            <a:normAutofit fontScale="77500" lnSpcReduction="20000"/>
+            <a:normAutofit fontScale="85000" lnSpcReduction="20000"/>
           </a:bodyPr>
           <a:lstStyle/>
           <a:p>
@@ -4141,32 +4140,7 @@
             </a:r>
             <a:r>
               <a:rPr lang="en-US" sz="2400" dirty="0" smtClean="0"/>
-              <a:t>():</a:t>
-            </a:r>
-          </a:p>
-          <a:p>
-            <a:pPr>
-              <a:buNone/>
-            </a:pPr>
-            <a:r>
-              <a:rPr lang="en-US" sz="2400" dirty="0" smtClean="0"/>
-              <a:t>            del a[(</a:t>
-            </a:r>
-            <a:r>
-              <a:rPr lang="en-US" sz="2400" dirty="0" err="1" smtClean="0"/>
-              <a:t>cell_r</a:t>
-            </a:r>
-            <a:r>
-              <a:rPr lang="en-US" sz="2400" dirty="0" smtClean="0"/>
-              <a:t>, </a:t>
-            </a:r>
-            <a:r>
-              <a:rPr lang="en-US" sz="2400" dirty="0" err="1" smtClean="0"/>
-              <a:t>cell_c</a:t>
-            </a:r>
-            <a:r>
-              <a:rPr lang="en-US" sz="2400" dirty="0" smtClean="0"/>
-              <a:t>)]</a:t>
+              <a:t>():            </a:t>
             </a:r>
           </a:p>
           <a:p>
@@ -4370,7 +4344,7 @@
       </p:sp>
       <p:pic>
         <p:nvPicPr>
-          <p:cNvPr id="1026" name="Picture 2"/>
+          <p:cNvPr id="3" name="Picture 2"/>
           <p:cNvPicPr>
             <a:picLocks noChangeAspect="1" noChangeArrowheads="1"/>
           </p:cNvPicPr>
@@ -4385,8 +4359,8 @@
         </p:blipFill>
         <p:spPr bwMode="auto">
           <a:xfrm>
-            <a:off x="914400" y="1143000"/>
-            <a:ext cx="7221153" cy="5029200"/>
+            <a:off x="952500" y="1323975"/>
+            <a:ext cx="7239000" cy="4772025"/>
           </a:xfrm>
           <a:prstGeom prst="rect">
             <a:avLst/>
@@ -5373,102 +5347,399 @@
       </p:grpSpPr>
       <p:sp>
         <p:nvSpPr>
-          <p:cNvPr id="4" name="Rectangle 3"/>
-          <p:cNvSpPr/>
-          <p:nvPr/>
+          <p:cNvPr id="2" name="Title 1"/>
+          <p:cNvSpPr>
+            <a:spLocks noGrp="1"/>
+          </p:cNvSpPr>
+          <p:nvPr>
+            <p:ph type="title"/>
+          </p:nvPr>
         </p:nvSpPr>
         <p:spPr>
           <a:xfrm>
-            <a:off x="533400" y="2590800"/>
-            <a:ext cx="8001000" cy="1754326"/>
+            <a:off x="457200" y="0"/>
+            <a:ext cx="8229600" cy="1143000"/>
           </a:xfrm>
-          <a:prstGeom prst="rect">
-            <a:avLst/>
-          </a:prstGeom>
-          <a:noFill/>
         </p:spPr>
         <p:txBody>
-          <a:bodyPr wrap="square" lIns="91440" tIns="45720" rIns="91440" bIns="45720">
-            <a:spAutoFit/>
+          <a:bodyPr>
+            <a:normAutofit/>
           </a:bodyPr>
           <a:lstStyle/>
           <a:p>
-            <a:pPr algn="ctr"/>
-            <a:r>
-              <a:rPr lang="en-US" sz="5400" b="1" dirty="0" smtClean="0">
-                <a:ln w="12700">
-                  <a:solidFill>
-                    <a:schemeClr val="tx2">
-                      <a:satMod val="155000"/>
-                    </a:schemeClr>
-                  </a:solidFill>
-                  <a:prstDash val="solid"/>
-                </a:ln>
+            <a:pPr algn="l"/>
+            <a:r>
+              <a:rPr lang="en-US" b="1" dirty="0" smtClean="0">
                 <a:solidFill>
-                  <a:schemeClr val="bg2">
-                    <a:tint val="85000"/>
-                    <a:satMod val="155000"/>
-                  </a:schemeClr>
+                  <a:srgbClr val="0070C0"/>
                 </a:solidFill>
-                <a:effectLst>
-                  <a:outerShdw blurRad="41275" dist="20320" dir="1800000" algn="tl" rotWithShape="0">
-                    <a:srgbClr val="000000">
-                      <a:alpha val="40000"/>
-                    </a:srgbClr>
-                  </a:outerShdw>
-                </a:effectLst>
               </a:rPr>
-              <a:t>What about you complete the code </a:t>
-            </a:r>
-            <a:r>
-              <a:rPr lang="en-US" sz="5400" b="1" smtClean="0">
-                <a:ln w="12700">
-                  <a:solidFill>
-                    <a:schemeClr val="tx2">
-                      <a:satMod val="155000"/>
-                    </a:schemeClr>
-                  </a:solidFill>
-                  <a:prstDash val="solid"/>
-                </a:ln>
-                <a:solidFill>
-                  <a:schemeClr val="bg2">
-                    <a:tint val="85000"/>
-                    <a:satMod val="155000"/>
-                  </a:schemeClr>
-                </a:solidFill>
-                <a:effectLst>
-                  <a:outerShdw blurRad="41275" dist="20320" dir="1800000" algn="tl" rotWithShape="0">
-                    <a:srgbClr val="000000">
-                      <a:alpha val="40000"/>
-                    </a:srgbClr>
-                  </a:outerShdw>
-                </a:effectLst>
-              </a:rPr>
-              <a:t>as training?</a:t>
-            </a:r>
-            <a:endParaRPr lang="en-US" sz="5400" b="1" cap="none" spc="0" dirty="0">
-              <a:ln w="12700">
-                <a:solidFill>
-                  <a:schemeClr val="tx2">
-                    <a:satMod val="155000"/>
-                  </a:schemeClr>
-                </a:solidFill>
-                <a:prstDash val="solid"/>
-              </a:ln>
-              <a:solidFill>
-                <a:schemeClr val="bg2">
-                  <a:tint val="85000"/>
-                  <a:satMod val="155000"/>
-                </a:schemeClr>
-              </a:solidFill>
-              <a:effectLst>
-                <a:outerShdw blurRad="41275" dist="20320" dir="1800000" algn="tl" rotWithShape="0">
-                  <a:srgbClr val="000000">
-                    <a:alpha val="40000"/>
-                  </a:srgbClr>
-                </a:outerShdw>
-              </a:effectLst>
-            </a:endParaRPr>
+              <a:t>Ex.: Sudoku game</a:t>
+            </a:r>
+            <a:endParaRPr lang="ar-EG" dirty="0"/>
+          </a:p>
+        </p:txBody>
+      </p:sp>
+      <p:sp>
+        <p:nvSpPr>
+          <p:cNvPr id="3" name="Content Placeholder 2"/>
+          <p:cNvSpPr>
+            <a:spLocks noGrp="1"/>
+          </p:cNvSpPr>
+          <p:nvPr>
+            <p:ph idx="1"/>
+          </p:nvPr>
+        </p:nvSpPr>
+        <p:spPr>
+          <a:xfrm>
+            <a:off x="457200" y="1066800"/>
+            <a:ext cx="8382000" cy="5410200"/>
+          </a:xfrm>
+        </p:spPr>
+        <p:txBody>
+          <a:bodyPr>
+            <a:normAutofit fontScale="92500" lnSpcReduction="20000"/>
+          </a:bodyPr>
+          <a:lstStyle/>
+          <a:p>
+            <a:pPr>
+              <a:buNone/>
+            </a:pPr>
+            <a:r>
+              <a:rPr lang="en-US" sz="2000" dirty="0" smtClean="0"/>
+              <a:t>def </a:t>
+            </a:r>
+            <a:r>
+              <a:rPr lang="en-US" sz="2000" dirty="0" err="1" smtClean="0"/>
+              <a:t>solve_step_in_sudoko</a:t>
+            </a:r>
+            <a:r>
+              <a:rPr lang="en-US" sz="2000" dirty="0" smtClean="0"/>
+              <a:t>(</a:t>
+            </a:r>
+            <a:r>
+              <a:rPr lang="en-US" sz="2000" dirty="0" err="1" smtClean="0"/>
+              <a:t>last_Grid</a:t>
+            </a:r>
+            <a:r>
+              <a:rPr lang="en-US" sz="2000" dirty="0" smtClean="0"/>
+              <a:t>, r, c):</a:t>
+            </a:r>
+          </a:p>
+          <a:p>
+            <a:pPr>
+              <a:buNone/>
+            </a:pPr>
+            <a:r>
+              <a:rPr lang="en-US" sz="2000" dirty="0" smtClean="0"/>
+              <a:t>    if </a:t>
+            </a:r>
+            <a:r>
+              <a:rPr lang="en-US" sz="2000" dirty="0" err="1" smtClean="0"/>
+              <a:t>is_complete</a:t>
+            </a:r>
+            <a:r>
+              <a:rPr lang="en-US" sz="2000" dirty="0" smtClean="0"/>
+              <a:t>(</a:t>
+            </a:r>
+            <a:r>
+              <a:rPr lang="en-US" sz="2000" dirty="0" err="1" smtClean="0"/>
+              <a:t>last_Grid</a:t>
+            </a:r>
+            <a:r>
+              <a:rPr lang="en-US" sz="2000" dirty="0" smtClean="0"/>
+              <a:t>):</a:t>
+            </a:r>
+          </a:p>
+          <a:p>
+            <a:pPr>
+              <a:buNone/>
+            </a:pPr>
+            <a:r>
+              <a:rPr lang="en-US" sz="2000" dirty="0" smtClean="0"/>
+              <a:t>        print 'Complete:'</a:t>
+            </a:r>
+          </a:p>
+          <a:p>
+            <a:pPr>
+              <a:buNone/>
+            </a:pPr>
+            <a:r>
+              <a:rPr lang="en-US" sz="2000" dirty="0" smtClean="0"/>
+              <a:t>        </a:t>
+            </a:r>
+            <a:r>
+              <a:rPr lang="en-US" sz="2000" dirty="0" err="1" smtClean="0"/>
+              <a:t>print_grid</a:t>
+            </a:r>
+            <a:r>
+              <a:rPr lang="en-US" sz="2000" dirty="0" smtClean="0"/>
+              <a:t>(</a:t>
+            </a:r>
+            <a:r>
+              <a:rPr lang="en-US" sz="2000" dirty="0" err="1" smtClean="0"/>
+              <a:t>last_Grid</a:t>
+            </a:r>
+            <a:r>
+              <a:rPr lang="en-US" sz="2000" dirty="0" smtClean="0"/>
+              <a:t>)</a:t>
+            </a:r>
+          </a:p>
+          <a:p>
+            <a:pPr>
+              <a:buNone/>
+            </a:pPr>
+            <a:r>
+              <a:rPr lang="en-US" sz="2000" dirty="0" smtClean="0"/>
+              <a:t>        return 0</a:t>
+            </a:r>
+          </a:p>
+          <a:p>
+            <a:pPr>
+              <a:buNone/>
+            </a:pPr>
+            <a:r>
+              <a:rPr lang="en-US" sz="2000" dirty="0" smtClean="0"/>
+              <a:t>##    </a:t>
+            </a:r>
+            <a:r>
+              <a:rPr lang="en-US" sz="2000" dirty="0" err="1" smtClean="0"/>
+              <a:t>print_grid</a:t>
+            </a:r>
+            <a:r>
+              <a:rPr lang="en-US" sz="2000" dirty="0" smtClean="0"/>
+              <a:t>(</a:t>
+            </a:r>
+            <a:r>
+              <a:rPr lang="en-US" sz="2000" dirty="0" err="1" smtClean="0"/>
+              <a:t>last_Grid</a:t>
+            </a:r>
+            <a:r>
+              <a:rPr lang="en-US" sz="2000" dirty="0" smtClean="0"/>
+              <a:t>)</a:t>
+            </a:r>
+          </a:p>
+          <a:p>
+            <a:pPr>
+              <a:buNone/>
+            </a:pPr>
+            <a:r>
+              <a:rPr lang="en-US" sz="2000" dirty="0" smtClean="0"/>
+              <a:t>    </a:t>
+            </a:r>
+            <a:r>
+              <a:rPr lang="en-US" sz="2000" dirty="0" err="1" smtClean="0"/>
+              <a:t>legal_for_cell</a:t>
+            </a:r>
+            <a:r>
+              <a:rPr lang="en-US" sz="2000" dirty="0" smtClean="0"/>
+              <a:t> = </a:t>
+            </a:r>
+            <a:r>
+              <a:rPr lang="en-US" sz="2000" dirty="0" err="1" smtClean="0"/>
+              <a:t>get_legal_for_cell</a:t>
+            </a:r>
+            <a:r>
+              <a:rPr lang="en-US" sz="2000" dirty="0" smtClean="0"/>
+              <a:t>(r, c, </a:t>
+            </a:r>
+            <a:r>
+              <a:rPr lang="en-US" sz="2000" dirty="0" err="1" smtClean="0"/>
+              <a:t>last_Grid</a:t>
+            </a:r>
+            <a:r>
+              <a:rPr lang="en-US" sz="2000" dirty="0" smtClean="0"/>
+              <a:t>)</a:t>
+            </a:r>
+          </a:p>
+          <a:p>
+            <a:pPr>
+              <a:buNone/>
+            </a:pPr>
+            <a:endParaRPr lang="en-US" sz="2000" dirty="0" smtClean="0"/>
+          </a:p>
+          <a:p>
+            <a:pPr>
+              <a:buNone/>
+            </a:pPr>
+            <a:r>
+              <a:rPr lang="en-US" sz="2000" dirty="0" smtClean="0"/>
+              <a:t>    for item in </a:t>
+            </a:r>
+            <a:r>
+              <a:rPr lang="en-US" sz="2000" dirty="0" err="1" smtClean="0"/>
+              <a:t>legal_for_cell</a:t>
+            </a:r>
+            <a:r>
+              <a:rPr lang="en-US" sz="2000" dirty="0" smtClean="0"/>
+              <a:t>:</a:t>
+            </a:r>
+          </a:p>
+          <a:p>
+            <a:pPr>
+              <a:buNone/>
+            </a:pPr>
+            <a:r>
+              <a:rPr lang="en-US" sz="2000" dirty="0" smtClean="0"/>
+              <a:t>        </a:t>
+            </a:r>
+            <a:r>
+              <a:rPr lang="en-US" sz="2000" dirty="0" err="1" smtClean="0"/>
+              <a:t>new_Grid</a:t>
+            </a:r>
+            <a:r>
+              <a:rPr lang="en-US" sz="2000" dirty="0" smtClean="0"/>
+              <a:t> = </a:t>
+            </a:r>
+            <a:r>
+              <a:rPr lang="en-US" sz="2000" dirty="0" err="1" smtClean="0"/>
+              <a:t>deepcopy</a:t>
+            </a:r>
+            <a:r>
+              <a:rPr lang="en-US" sz="2000" dirty="0" smtClean="0"/>
+              <a:t>(</a:t>
+            </a:r>
+            <a:r>
+              <a:rPr lang="en-US" sz="2000" dirty="0" err="1" smtClean="0"/>
+              <a:t>last_Grid</a:t>
+            </a:r>
+            <a:r>
+              <a:rPr lang="en-US" sz="2000" dirty="0" smtClean="0"/>
+              <a:t>)</a:t>
+            </a:r>
+          </a:p>
+          <a:p>
+            <a:pPr>
+              <a:buNone/>
+            </a:pPr>
+            <a:r>
+              <a:rPr lang="en-US" sz="2000" dirty="0" smtClean="0"/>
+              <a:t>        if </a:t>
+            </a:r>
+            <a:r>
+              <a:rPr lang="en-US" sz="2000" dirty="0" err="1" smtClean="0"/>
+              <a:t>last_Grid</a:t>
+            </a:r>
+            <a:r>
+              <a:rPr lang="en-US" sz="2000" dirty="0" smtClean="0"/>
+              <a:t>[r][c]=='.':</a:t>
+            </a:r>
+          </a:p>
+          <a:p>
+            <a:pPr>
+              <a:buNone/>
+            </a:pPr>
+            <a:r>
+              <a:rPr lang="en-US" sz="2000" dirty="0" smtClean="0"/>
+              <a:t>            </a:t>
+            </a:r>
+            <a:r>
+              <a:rPr lang="en-US" sz="2000" dirty="0" err="1" smtClean="0"/>
+              <a:t>new_Grid</a:t>
+            </a:r>
+            <a:r>
+              <a:rPr lang="en-US" sz="2000" dirty="0" smtClean="0"/>
+              <a:t>[r][c] = item</a:t>
+            </a:r>
+          </a:p>
+          <a:p>
+            <a:pPr>
+              <a:buNone/>
+            </a:pPr>
+            <a:r>
+              <a:rPr lang="en-US" sz="2000" dirty="0" smtClean="0"/>
+              <a:t>        </a:t>
+            </a:r>
+            <a:r>
+              <a:rPr lang="en-US" sz="2000" dirty="0" err="1" smtClean="0"/>
+              <a:t>new_r</a:t>
+            </a:r>
+            <a:r>
+              <a:rPr lang="en-US" sz="2000" dirty="0" smtClean="0"/>
+              <a:t>, </a:t>
+            </a:r>
+            <a:r>
+              <a:rPr lang="en-US" sz="2000" dirty="0" err="1" smtClean="0"/>
+              <a:t>new_c</a:t>
+            </a:r>
+            <a:r>
+              <a:rPr lang="en-US" sz="2000" dirty="0" smtClean="0"/>
+              <a:t> = </a:t>
+            </a:r>
+            <a:r>
+              <a:rPr lang="en-US" sz="2000" dirty="0" err="1" smtClean="0"/>
+              <a:t>get_new_r_c</a:t>
+            </a:r>
+            <a:r>
+              <a:rPr lang="en-US" sz="2000" dirty="0" smtClean="0"/>
+              <a:t>(r, c)</a:t>
+            </a:r>
+          </a:p>
+          <a:p>
+            <a:pPr>
+              <a:buNone/>
+            </a:pPr>
+            <a:endParaRPr lang="en-US" sz="2000" dirty="0" smtClean="0"/>
+          </a:p>
+          <a:p>
+            <a:pPr>
+              <a:buNone/>
+            </a:pPr>
+            <a:r>
+              <a:rPr lang="en-US" sz="2000" dirty="0" smtClean="0"/>
+              <a:t>        </a:t>
+            </a:r>
+            <a:r>
+              <a:rPr lang="en-US" sz="2000" dirty="0" err="1" smtClean="0"/>
+              <a:t>solve_step_in_sudoko</a:t>
+            </a:r>
+            <a:r>
+              <a:rPr lang="en-US" sz="2000" dirty="0" smtClean="0"/>
+              <a:t>(</a:t>
+            </a:r>
+            <a:r>
+              <a:rPr lang="en-US" sz="2000" dirty="0" err="1" smtClean="0"/>
+              <a:t>new_Grid</a:t>
+            </a:r>
+            <a:r>
+              <a:rPr lang="en-US" sz="2000" dirty="0" smtClean="0"/>
+              <a:t>, </a:t>
+            </a:r>
+            <a:r>
+              <a:rPr lang="en-US" sz="2000" dirty="0" err="1" smtClean="0"/>
+              <a:t>new_r</a:t>
+            </a:r>
+            <a:r>
+              <a:rPr lang="en-US" sz="2000" dirty="0" smtClean="0"/>
+              <a:t>, </a:t>
+            </a:r>
+            <a:r>
+              <a:rPr lang="en-US" sz="2000" dirty="0" err="1" smtClean="0"/>
+              <a:t>new_c</a:t>
+            </a:r>
+            <a:r>
+              <a:rPr lang="en-US" sz="2000" dirty="0" smtClean="0"/>
+              <a:t>)</a:t>
+            </a:r>
+          </a:p>
+          <a:p>
+            <a:pPr>
+              <a:buNone/>
+            </a:pPr>
+            <a:endParaRPr lang="en-US" sz="2000" dirty="0" smtClean="0"/>
+          </a:p>
+          <a:p>
+            <a:pPr>
+              <a:buNone/>
+            </a:pPr>
+            <a:r>
+              <a:rPr lang="en-US" sz="2000" dirty="0" err="1" smtClean="0"/>
+              <a:t>solve_step_in_sudoko</a:t>
+            </a:r>
+            <a:r>
+              <a:rPr lang="en-US" sz="2000" dirty="0" smtClean="0"/>
+              <a:t>(Grid, 0, 0)</a:t>
+            </a:r>
           </a:p>
         </p:txBody>
       </p:sp>
@@ -5488,10 +5759,14 @@
           <a:lstStyle/>
           <a:p>
             <a:r>
-              <a:rPr lang="en-US" smtClean="0"/>
-              <a:t>By Eng. Ahmed Tarik</a:t>
-            </a:r>
-            <a:endParaRPr lang="en-US"/>
+              <a:rPr lang="en-US" dirty="0" smtClean="0"/>
+              <a:t>By Eng. Ahmed </a:t>
+            </a:r>
+            <a:r>
+              <a:rPr lang="en-US" dirty="0" err="1" smtClean="0"/>
+              <a:t>Tarik</a:t>
+            </a:r>
+            <a:endParaRPr lang="en-US" dirty="0"/>
           </a:p>
         </p:txBody>
       </p:sp>
@@ -5511,468 +5786,6 @@
 </file>
 
 <file path=ppt/slides/slide17.xml><?xml version="1.0" encoding="utf-8"?>
-<p:sld xmlns:a="http://schemas.openxmlformats.org/drawingml/2006/main" xmlns:r="http://schemas.openxmlformats.org/officeDocument/2006/relationships" xmlns:p="http://schemas.openxmlformats.org/presentationml/2006/main">
-  <p:cSld>
-    <p:spTree>
-      <p:nvGrpSpPr>
-        <p:cNvPr id="1" name=""/>
-        <p:cNvGrpSpPr/>
-        <p:nvPr/>
-      </p:nvGrpSpPr>
-      <p:grpSpPr>
-        <a:xfrm>
-          <a:off x="0" y="0"/>
-          <a:ext cx="0" cy="0"/>
-          <a:chOff x="0" y="0"/>
-          <a:chExt cx="0" cy="0"/>
-        </a:xfrm>
-      </p:grpSpPr>
-      <p:sp>
-        <p:nvSpPr>
-          <p:cNvPr id="2" name="Title 1"/>
-          <p:cNvSpPr>
-            <a:spLocks noGrp="1"/>
-          </p:cNvSpPr>
-          <p:nvPr>
-            <p:ph type="title"/>
-          </p:nvPr>
-        </p:nvSpPr>
-        <p:spPr>
-          <a:xfrm>
-            <a:off x="457200" y="0"/>
-            <a:ext cx="8229600" cy="1143000"/>
-          </a:xfrm>
-        </p:spPr>
-        <p:txBody>
-          <a:bodyPr>
-            <a:normAutofit/>
-          </a:bodyPr>
-          <a:lstStyle/>
-          <a:p>
-            <a:pPr algn="l"/>
-            <a:r>
-              <a:rPr lang="en-US" b="1" dirty="0" smtClean="0">
-                <a:solidFill>
-                  <a:srgbClr val="0070C0"/>
-                </a:solidFill>
-              </a:rPr>
-              <a:t>Ex.: Sudoku game</a:t>
-            </a:r>
-            <a:endParaRPr lang="ar-EG" dirty="0"/>
-          </a:p>
-        </p:txBody>
-      </p:sp>
-      <p:sp>
-        <p:nvSpPr>
-          <p:cNvPr id="3" name="Content Placeholder 2"/>
-          <p:cNvSpPr>
-            <a:spLocks noGrp="1"/>
-          </p:cNvSpPr>
-          <p:nvPr>
-            <p:ph idx="1"/>
-          </p:nvPr>
-        </p:nvSpPr>
-        <p:spPr>
-          <a:xfrm>
-            <a:off x="457200" y="1066800"/>
-            <a:ext cx="8382000" cy="5410200"/>
-          </a:xfrm>
-        </p:spPr>
-        <p:txBody>
-          <a:bodyPr>
-            <a:normAutofit fontScale="92500" lnSpcReduction="20000"/>
-          </a:bodyPr>
-          <a:lstStyle/>
-          <a:p>
-            <a:pPr>
-              <a:buNone/>
-            </a:pPr>
-            <a:r>
-              <a:rPr lang="en-US" sz="2000" dirty="0" smtClean="0"/>
-              <a:t>def </a:t>
-            </a:r>
-            <a:r>
-              <a:rPr lang="en-US" sz="2000" dirty="0" err="1" smtClean="0"/>
-              <a:t>solve_step_in_sudoko</a:t>
-            </a:r>
-            <a:r>
-              <a:rPr lang="en-US" sz="2000" dirty="0" smtClean="0"/>
-              <a:t>(</a:t>
-            </a:r>
-            <a:r>
-              <a:rPr lang="en-US" sz="2000" dirty="0" err="1" smtClean="0"/>
-              <a:t>last_Grid</a:t>
-            </a:r>
-            <a:r>
-              <a:rPr lang="en-US" sz="2000" dirty="0" smtClean="0"/>
-              <a:t>, r, c):</a:t>
-            </a:r>
-          </a:p>
-          <a:p>
-            <a:pPr>
-              <a:buNone/>
-            </a:pPr>
-            <a:r>
-              <a:rPr lang="en-US" sz="2000" dirty="0" smtClean="0"/>
-              <a:t>    if </a:t>
-            </a:r>
-            <a:r>
-              <a:rPr lang="en-US" sz="2000" dirty="0" err="1" smtClean="0"/>
-              <a:t>is_complete</a:t>
-            </a:r>
-            <a:r>
-              <a:rPr lang="en-US" sz="2000" dirty="0" smtClean="0"/>
-              <a:t>(</a:t>
-            </a:r>
-            <a:r>
-              <a:rPr lang="en-US" sz="2000" dirty="0" err="1" smtClean="0"/>
-              <a:t>last_Grid</a:t>
-            </a:r>
-            <a:r>
-              <a:rPr lang="en-US" sz="2000" dirty="0" smtClean="0"/>
-              <a:t>):</a:t>
-            </a:r>
-          </a:p>
-          <a:p>
-            <a:pPr>
-              <a:buNone/>
-            </a:pPr>
-            <a:r>
-              <a:rPr lang="en-US" sz="2000" dirty="0" smtClean="0"/>
-              <a:t>        print 'Complete:'</a:t>
-            </a:r>
-          </a:p>
-          <a:p>
-            <a:pPr>
-              <a:buNone/>
-            </a:pPr>
-            <a:r>
-              <a:rPr lang="en-US" sz="2000" dirty="0" smtClean="0"/>
-              <a:t>        </a:t>
-            </a:r>
-            <a:r>
-              <a:rPr lang="en-US" sz="2000" dirty="0" err="1" smtClean="0"/>
-              <a:t>print_grid</a:t>
-            </a:r>
-            <a:r>
-              <a:rPr lang="en-US" sz="2000" dirty="0" smtClean="0"/>
-              <a:t>(</a:t>
-            </a:r>
-            <a:r>
-              <a:rPr lang="en-US" sz="2000" dirty="0" err="1" smtClean="0"/>
-              <a:t>last_Grid</a:t>
-            </a:r>
-            <a:r>
-              <a:rPr lang="en-US" sz="2000" dirty="0" smtClean="0"/>
-              <a:t>)</a:t>
-            </a:r>
-          </a:p>
-          <a:p>
-            <a:pPr>
-              <a:buNone/>
-            </a:pPr>
-            <a:r>
-              <a:rPr lang="en-US" sz="2000" dirty="0" smtClean="0"/>
-              <a:t>        return 0</a:t>
-            </a:r>
-          </a:p>
-          <a:p>
-            <a:pPr>
-              <a:buNone/>
-            </a:pPr>
-            <a:r>
-              <a:rPr lang="en-US" sz="2000" dirty="0" smtClean="0"/>
-              <a:t>##    </a:t>
-            </a:r>
-            <a:r>
-              <a:rPr lang="en-US" sz="2000" dirty="0" err="1" smtClean="0"/>
-              <a:t>print_grid</a:t>
-            </a:r>
-            <a:r>
-              <a:rPr lang="en-US" sz="2000" dirty="0" smtClean="0"/>
-              <a:t>(</a:t>
-            </a:r>
-            <a:r>
-              <a:rPr lang="en-US" sz="2000" dirty="0" err="1" smtClean="0"/>
-              <a:t>last_Grid</a:t>
-            </a:r>
-            <a:r>
-              <a:rPr lang="en-US" sz="2000" dirty="0" smtClean="0"/>
-              <a:t>)</a:t>
-            </a:r>
-          </a:p>
-          <a:p>
-            <a:pPr>
-              <a:buNone/>
-            </a:pPr>
-            <a:r>
-              <a:rPr lang="en-US" sz="2000" dirty="0" smtClean="0"/>
-              <a:t>    </a:t>
-            </a:r>
-            <a:r>
-              <a:rPr lang="en-US" sz="2000" dirty="0" err="1" smtClean="0"/>
-              <a:t>legal_for_cell</a:t>
-            </a:r>
-            <a:r>
-              <a:rPr lang="en-US" sz="2000" dirty="0" smtClean="0"/>
-              <a:t> = </a:t>
-            </a:r>
-            <a:r>
-              <a:rPr lang="en-US" sz="2000" dirty="0" err="1" smtClean="0"/>
-              <a:t>get_legal_for_cell</a:t>
-            </a:r>
-            <a:r>
-              <a:rPr lang="en-US" sz="2000" dirty="0" smtClean="0"/>
-              <a:t>(r, c, </a:t>
-            </a:r>
-            <a:r>
-              <a:rPr lang="en-US" sz="2000" dirty="0" err="1" smtClean="0"/>
-              <a:t>last_Grid</a:t>
-            </a:r>
-            <a:r>
-              <a:rPr lang="en-US" sz="2000" dirty="0" smtClean="0"/>
-              <a:t>)</a:t>
-            </a:r>
-          </a:p>
-          <a:p>
-            <a:pPr>
-              <a:buNone/>
-            </a:pPr>
-            <a:endParaRPr lang="en-US" sz="2000" dirty="0" smtClean="0"/>
-          </a:p>
-          <a:p>
-            <a:pPr>
-              <a:buNone/>
-            </a:pPr>
-            <a:r>
-              <a:rPr lang="en-US" sz="2000" dirty="0" smtClean="0"/>
-              <a:t>    for item in </a:t>
-            </a:r>
-            <a:r>
-              <a:rPr lang="en-US" sz="2000" dirty="0" err="1" smtClean="0"/>
-              <a:t>legal_for_cell</a:t>
-            </a:r>
-            <a:r>
-              <a:rPr lang="en-US" sz="2000" dirty="0" smtClean="0"/>
-              <a:t>:</a:t>
-            </a:r>
-          </a:p>
-          <a:p>
-            <a:pPr>
-              <a:buNone/>
-            </a:pPr>
-            <a:r>
-              <a:rPr lang="en-US" sz="2000" dirty="0" smtClean="0"/>
-              <a:t>        </a:t>
-            </a:r>
-            <a:r>
-              <a:rPr lang="en-US" sz="2000" dirty="0" err="1" smtClean="0"/>
-              <a:t>new_Grid</a:t>
-            </a:r>
-            <a:r>
-              <a:rPr lang="en-US" sz="2000" dirty="0" smtClean="0"/>
-              <a:t> = </a:t>
-            </a:r>
-            <a:r>
-              <a:rPr lang="en-US" sz="2000" dirty="0" err="1" smtClean="0"/>
-              <a:t>deepcopy</a:t>
-            </a:r>
-            <a:r>
-              <a:rPr lang="en-US" sz="2000" dirty="0" smtClean="0"/>
-              <a:t>(</a:t>
-            </a:r>
-            <a:r>
-              <a:rPr lang="en-US" sz="2000" dirty="0" err="1" smtClean="0"/>
-              <a:t>last_Grid</a:t>
-            </a:r>
-            <a:r>
-              <a:rPr lang="en-US" sz="2000" dirty="0" smtClean="0"/>
-              <a:t>)</a:t>
-            </a:r>
-          </a:p>
-          <a:p>
-            <a:pPr>
-              <a:buNone/>
-            </a:pPr>
-            <a:r>
-              <a:rPr lang="en-US" sz="2000" dirty="0" smtClean="0"/>
-              <a:t>        if </a:t>
-            </a:r>
-            <a:r>
-              <a:rPr lang="en-US" sz="2000" dirty="0" err="1" smtClean="0"/>
-              <a:t>last_Grid</a:t>
-            </a:r>
-            <a:r>
-              <a:rPr lang="en-US" sz="2000" dirty="0" smtClean="0"/>
-              <a:t>[r</a:t>
-            </a:r>
-            <a:r>
-              <a:rPr lang="en-US" sz="2000" dirty="0" smtClean="0"/>
-              <a:t>][c</a:t>
-            </a:r>
-            <a:r>
-              <a:rPr lang="en-US" sz="2000" dirty="0" smtClean="0"/>
-              <a:t>]=='.':</a:t>
-            </a:r>
-            <a:endParaRPr lang="en-US" sz="2000" dirty="0" smtClean="0"/>
-          </a:p>
-          <a:p>
-            <a:pPr>
-              <a:buNone/>
-            </a:pPr>
-            <a:r>
-              <a:rPr lang="en-US" sz="2000" dirty="0" smtClean="0"/>
-              <a:t>            </a:t>
-            </a:r>
-            <a:r>
-              <a:rPr lang="en-US" sz="2000" dirty="0" err="1" smtClean="0"/>
-              <a:t>new_Grid</a:t>
-            </a:r>
-            <a:r>
-              <a:rPr lang="en-US" sz="2000" dirty="0" smtClean="0"/>
-              <a:t>[r][c] = item</a:t>
-            </a:r>
-          </a:p>
-          <a:p>
-            <a:pPr>
-              <a:buNone/>
-            </a:pPr>
-            <a:r>
-              <a:rPr lang="en-US" sz="2000" dirty="0" smtClean="0"/>
-              <a:t>        </a:t>
-            </a:r>
-            <a:r>
-              <a:rPr lang="en-US" sz="2000" dirty="0" err="1" smtClean="0"/>
-              <a:t>new_r</a:t>
-            </a:r>
-            <a:r>
-              <a:rPr lang="en-US" sz="2000" dirty="0" smtClean="0"/>
-              <a:t>, </a:t>
-            </a:r>
-            <a:r>
-              <a:rPr lang="en-US" sz="2000" dirty="0" err="1" smtClean="0"/>
-              <a:t>new_c</a:t>
-            </a:r>
-            <a:r>
-              <a:rPr lang="en-US" sz="2000" dirty="0" smtClean="0"/>
-              <a:t> = </a:t>
-            </a:r>
-            <a:r>
-              <a:rPr lang="en-US" sz="2000" dirty="0" err="1" smtClean="0"/>
-              <a:t>get_new_r_c</a:t>
-            </a:r>
-            <a:r>
-              <a:rPr lang="en-US" sz="2000" dirty="0" smtClean="0"/>
-              <a:t>(r, c)</a:t>
-            </a:r>
-          </a:p>
-          <a:p>
-            <a:pPr>
-              <a:buNone/>
-            </a:pPr>
-            <a:endParaRPr lang="en-US" sz="2000" dirty="0" smtClean="0"/>
-          </a:p>
-          <a:p>
-            <a:pPr>
-              <a:buNone/>
-            </a:pPr>
-            <a:r>
-              <a:rPr lang="en-US" sz="2000" dirty="0" smtClean="0"/>
-              <a:t>        </a:t>
-            </a:r>
-            <a:r>
-              <a:rPr lang="en-US" sz="2000" dirty="0" err="1" smtClean="0"/>
-              <a:t>solve_step_in_sudoko</a:t>
-            </a:r>
-            <a:r>
-              <a:rPr lang="en-US" sz="2000" dirty="0" smtClean="0"/>
-              <a:t>(</a:t>
-            </a:r>
-            <a:r>
-              <a:rPr lang="en-US" sz="2000" dirty="0" err="1" smtClean="0"/>
-              <a:t>new_Grid</a:t>
-            </a:r>
-            <a:r>
-              <a:rPr lang="en-US" sz="2000" dirty="0" smtClean="0"/>
-              <a:t>, </a:t>
-            </a:r>
-            <a:r>
-              <a:rPr lang="en-US" sz="2000" dirty="0" err="1" smtClean="0"/>
-              <a:t>new_r</a:t>
-            </a:r>
-            <a:r>
-              <a:rPr lang="en-US" sz="2000" dirty="0" smtClean="0"/>
-              <a:t>, </a:t>
-            </a:r>
-            <a:r>
-              <a:rPr lang="en-US" sz="2000" dirty="0" err="1" smtClean="0"/>
-              <a:t>new_c</a:t>
-            </a:r>
-            <a:r>
-              <a:rPr lang="en-US" sz="2000" dirty="0" smtClean="0"/>
-              <a:t>)</a:t>
-            </a:r>
-          </a:p>
-          <a:p>
-            <a:pPr>
-              <a:buNone/>
-            </a:pPr>
-            <a:endParaRPr lang="en-US" sz="2000" dirty="0" smtClean="0"/>
-          </a:p>
-          <a:p>
-            <a:pPr>
-              <a:buNone/>
-            </a:pPr>
-            <a:r>
-              <a:rPr lang="en-US" sz="2000" dirty="0" err="1" smtClean="0"/>
-              <a:t>solve_step_in_sudoko</a:t>
-            </a:r>
-            <a:r>
-              <a:rPr lang="en-US" sz="2000" dirty="0" smtClean="0"/>
-              <a:t>(Grid, 0, 0)</a:t>
-            </a:r>
-          </a:p>
-        </p:txBody>
-      </p:sp>
-      <p:sp>
-        <p:nvSpPr>
-          <p:cNvPr id="5" name="Footer Placeholder 4"/>
-          <p:cNvSpPr>
-            <a:spLocks noGrp="1"/>
-          </p:cNvSpPr>
-          <p:nvPr>
-            <p:ph type="ftr" sz="quarter" idx="11"/>
-          </p:nvPr>
-        </p:nvSpPr>
-        <p:spPr/>
-        <p:txBody>
-          <a:bodyPr/>
-          <a:lstStyle/>
-          <a:p>
-            <a:r>
-              <a:rPr lang="en-US" smtClean="0"/>
-              <a:t>By Eng. Ahmed Tarik</a:t>
-            </a:r>
-            <a:endParaRPr lang="en-US"/>
-          </a:p>
-        </p:txBody>
-      </p:sp>
-    </p:spTree>
-  </p:cSld>
-  <p:clrMapOvr>
-    <a:masterClrMapping/>
-  </p:clrMapOvr>
-  <p:timing>
-    <p:tnLst>
-      <p:par>
-        <p:cTn id="1" dur="indefinite" restart="never" nodeType="tmRoot"/>
-      </p:par>
-    </p:tnLst>
-  </p:timing>
-</p:sld>
-</file>
-
-<file path=ppt/slides/slide18.xml><?xml version="1.0" encoding="utf-8"?>
 <p:sld xmlns:a="http://schemas.openxmlformats.org/drawingml/2006/main" xmlns:r="http://schemas.openxmlformats.org/officeDocument/2006/relationships" xmlns:p="http://schemas.openxmlformats.org/presentationml/2006/main">
   <p:cSld>
     <p:spTree>
@@ -6097,7 +5910,7 @@
 </p:sld>
 </file>
 
-<file path=ppt/slides/slide19.xml><?xml version="1.0" encoding="utf-8"?>
+<file path=ppt/slides/slide18.xml><?xml version="1.0" encoding="utf-8"?>
 <p:sld xmlns:a="http://schemas.openxmlformats.org/drawingml/2006/main" xmlns:r="http://schemas.openxmlformats.org/officeDocument/2006/relationships" xmlns:p="http://schemas.openxmlformats.org/presentationml/2006/main">
   <p:cSld>
     <p:spTree>
